--- a/GLOBALAIONTOUR2020/GlobalAIVARPLS.pptx
+++ b/GLOBALAIONTOUR2020/GlobalAIVARPLS.pptx
@@ -14652,7 +14652,7 @@
             </p:nvSpPr>
             <p:spPr>
               <a:xfrm>
-                <a:off x="833374" y="1663998"/>
+                <a:off x="597154" y="1443702"/>
                 <a:ext cx="8073484" cy="3404073"/>
               </a:xfrm>
               <a:prstGeom prst="rect">
@@ -14668,7 +14668,7 @@
                 <a:r>
                   <a:rPr lang="es-MX" b="1" u="sng" dirty="0">
                     <a:solidFill>
-                      <a:srgbClr val="8B8B8B"/>
+                      <a:srgbClr val="0965B0"/>
                     </a:solidFill>
                     <a:latin typeface="Lato" panose="020B0604020202020204" charset="0"/>
                   </a:rPr>
@@ -14678,7 +14678,7 @@
               <a:p>
                 <a:endParaRPr lang="es-MX" b="1" dirty="0">
                   <a:solidFill>
-                    <a:srgbClr val="8B8B8B"/>
+                    <a:srgbClr val="0965B0"/>
                   </a:solidFill>
                   <a:latin typeface="Lato" panose="020B0604020202020204" charset="0"/>
                 </a:endParaRPr>
@@ -14690,7 +14690,7 @@
                 <a:r>
                   <a:rPr lang="es-ES_tradnl" b="1" dirty="0">
                     <a:solidFill>
-                      <a:srgbClr val="8B8B8B"/>
+                      <a:srgbClr val="0965B0"/>
                     </a:solidFill>
                     <a:latin typeface="Lato" panose="020B0604020202020204" charset="0"/>
                     <a:sym typeface="Calibri"/>
@@ -14702,7 +14702,7 @@
                     <m:r>
                       <a:rPr lang="es-ES_tradnl" b="1">
                         <a:solidFill>
-                          <a:srgbClr val="8B8B8B"/>
+                          <a:srgbClr val="0965B0"/>
                         </a:solidFill>
                         <a:latin typeface="Cambria Math" panose="02040503050406030204" pitchFamily="18" charset="0"/>
                         <a:sym typeface="Calibri"/>
@@ -14712,7 +14712,7 @@
                     <m:r>
                       <a:rPr lang="es-ES_tradnl" b="1">
                         <a:solidFill>
-                          <a:srgbClr val="8B8B8B"/>
+                          <a:srgbClr val="0965B0"/>
                         </a:solidFill>
                         <a:latin typeface="Cambria Math" panose="02040503050406030204" pitchFamily="18" charset="0"/>
                         <a:sym typeface="Calibri"/>
@@ -14722,7 +14722,7 @@
                     <m:r>
                       <a:rPr lang="es-ES_tradnl" b="1">
                         <a:solidFill>
-                          <a:srgbClr val="8B8B8B"/>
+                          <a:srgbClr val="0965B0"/>
                         </a:solidFill>
                         <a:latin typeface="Cambria Math" panose="02040503050406030204" pitchFamily="18" charset="0"/>
                         <a:sym typeface="Calibri"/>
@@ -14732,7 +14732,7 @@
                     <m:r>
                       <a:rPr lang="es-ES_tradnl" b="1">
                         <a:solidFill>
-                          <a:srgbClr val="8B8B8B"/>
+                          <a:srgbClr val="0965B0"/>
                         </a:solidFill>
                         <a:latin typeface="Cambria Math" panose="02040503050406030204" pitchFamily="18" charset="0"/>
                         <a:sym typeface="Calibri"/>
@@ -14742,7 +14742,7 @@
                     <m:r>
                       <a:rPr lang="es-ES_tradnl" b="1">
                         <a:solidFill>
-                          <a:srgbClr val="8B8B8B"/>
+                          <a:srgbClr val="0965B0"/>
                         </a:solidFill>
                         <a:latin typeface="Cambria Math" panose="02040503050406030204" pitchFamily="18" charset="0"/>
                         <a:sym typeface="Calibri"/>
@@ -14752,7 +14752,7 @@
                     <m:r>
                       <a:rPr lang="es-ES_tradnl" b="1">
                         <a:solidFill>
-                          <a:srgbClr val="8B8B8B"/>
+                          <a:srgbClr val="0965B0"/>
                         </a:solidFill>
                         <a:latin typeface="Cambria Math" panose="02040503050406030204" pitchFamily="18" charset="0"/>
                         <a:sym typeface="Calibri"/>
@@ -14764,7 +14764,7 @@
                 <a:r>
                   <a:rPr lang="es-ES_tradnl" b="1" dirty="0">
                     <a:solidFill>
-                      <a:srgbClr val="8B8B8B"/>
+                      <a:srgbClr val="0965B0"/>
                     </a:solidFill>
                     <a:latin typeface="Lato" panose="020B0604020202020204" charset="0"/>
                     <a:sym typeface="Calibri"/>
@@ -14783,6 +14783,9 @@
                   <a:buSzPts val="1800"/>
                 </a:pPr>
                 <a:endParaRPr lang="es-ES_tradnl" sz="2400" dirty="0">
+                  <a:solidFill>
+                    <a:srgbClr val="0965B0"/>
+                  </a:solidFill>
                   <a:latin typeface="Times New Roman" panose="02020603050405020304" pitchFamily="18" charset="0"/>
                   <a:cs typeface="Times New Roman" panose="02020603050405020304" pitchFamily="18" charset="0"/>
                   <a:sym typeface="Calibri"/>
@@ -14808,6 +14811,9 @@
                         <m:sSubPr>
                           <m:ctrlPr>
                             <a:rPr lang="es-ES_tradnl" sz="2400" i="1">
+                              <a:solidFill>
+                                <a:srgbClr val="0965B0"/>
+                              </a:solidFill>
                               <a:latin typeface="Cambria Math" panose="02040503050406030204" pitchFamily="18" charset="0"/>
                               <a:cs typeface="Times New Roman" panose="02020603050405020304" pitchFamily="18" charset="0"/>
                               <a:sym typeface="Calibri"/>
@@ -14817,6 +14823,9 @@
                         <m:e>
                           <m:r>
                             <a:rPr lang="es-ES_tradnl" sz="2400" i="1">
+                              <a:solidFill>
+                                <a:srgbClr val="0965B0"/>
+                              </a:solidFill>
                               <a:latin typeface="Cambria Math" panose="02040503050406030204" pitchFamily="18" charset="0"/>
                               <a:cs typeface="Times New Roman" panose="02020603050405020304" pitchFamily="18" charset="0"/>
                               <a:sym typeface="Calibri"/>
@@ -14827,6 +14836,9 @@
                         <m:sub>
                           <m:r>
                             <a:rPr lang="es-ES_tradnl" sz="2400" i="1">
+                              <a:solidFill>
+                                <a:srgbClr val="0965B0"/>
+                              </a:solidFill>
                               <a:latin typeface="Cambria Math" panose="02040503050406030204" pitchFamily="18" charset="0"/>
                               <a:cs typeface="Times New Roman" panose="02020603050405020304" pitchFamily="18" charset="0"/>
                               <a:sym typeface="Calibri"/>
@@ -14837,6 +14849,9 @@
                       </m:sSub>
                       <m:r>
                         <a:rPr lang="es-ES_tradnl" sz="2400" i="1">
+                          <a:solidFill>
+                            <a:srgbClr val="0965B0"/>
+                          </a:solidFill>
                           <a:latin typeface="Cambria Math" panose="02040503050406030204" pitchFamily="18" charset="0"/>
                           <a:cs typeface="Times New Roman" panose="02020603050405020304" pitchFamily="18" charset="0"/>
                           <a:sym typeface="Calibri"/>
@@ -14845,6 +14860,9 @@
                       </m:r>
                       <m:r>
                         <a:rPr lang="es-ES_tradnl" sz="2400" i="1">
+                          <a:solidFill>
+                            <a:srgbClr val="0965B0"/>
+                          </a:solidFill>
                           <a:latin typeface="Cambria Math" panose="02040503050406030204" pitchFamily="18" charset="0"/>
                           <a:cs typeface="Times New Roman" panose="02020603050405020304" pitchFamily="18" charset="0"/>
                           <a:sym typeface="Calibri"/>
@@ -14853,6 +14871,9 @@
                       </m:r>
                       <m:r>
                         <a:rPr lang="es-ES_tradnl" sz="2400" i="1">
+                          <a:solidFill>
+                            <a:srgbClr val="0965B0"/>
+                          </a:solidFill>
                           <a:latin typeface="Cambria Math" panose="02040503050406030204" pitchFamily="18" charset="0"/>
                           <a:cs typeface="Times New Roman" panose="02020603050405020304" pitchFamily="18" charset="0"/>
                           <a:sym typeface="Calibri"/>
@@ -14863,6 +14884,9 @@
                         <m:sSubPr>
                           <m:ctrlPr>
                             <a:rPr lang="es-ES_tradnl" sz="2400" i="1">
+                              <a:solidFill>
+                                <a:srgbClr val="0965B0"/>
+                              </a:solidFill>
                               <a:latin typeface="Cambria Math" panose="02040503050406030204" pitchFamily="18" charset="0"/>
                               <a:cs typeface="Times New Roman" panose="02020603050405020304" pitchFamily="18" charset="0"/>
                               <a:sym typeface="Calibri"/>
@@ -14875,6 +14899,9 @@
                               <m:sty m:val="p"/>
                             </m:rPr>
                             <a:rPr lang="es-ES_tradnl" sz="2400">
+                              <a:solidFill>
+                                <a:srgbClr val="0965B0"/>
+                              </a:solidFill>
                               <a:latin typeface="Cambria Math" panose="02040503050406030204" pitchFamily="18" charset="0"/>
                               <a:cs typeface="Times New Roman" panose="02020603050405020304" pitchFamily="18" charset="0"/>
                               <a:sym typeface="Calibri"/>
@@ -14885,6 +14912,9 @@
                         <m:sub>
                           <m:r>
                             <a:rPr lang="es-ES_tradnl" sz="2400" i="1">
+                              <a:solidFill>
+                                <a:srgbClr val="0965B0"/>
+                              </a:solidFill>
                               <a:latin typeface="Cambria Math" panose="02040503050406030204" pitchFamily="18" charset="0"/>
                               <a:cs typeface="Times New Roman" panose="02020603050405020304" pitchFamily="18" charset="0"/>
                               <a:sym typeface="Calibri"/>
@@ -14897,6 +14927,9 @@
                         <m:sSubPr>
                           <m:ctrlPr>
                             <a:rPr lang="es-ES_tradnl" sz="2400" i="1">
+                              <a:solidFill>
+                                <a:srgbClr val="0965B0"/>
+                              </a:solidFill>
                               <a:latin typeface="Cambria Math" panose="02040503050406030204" pitchFamily="18" charset="0"/>
                               <a:cs typeface="Times New Roman" panose="02020603050405020304" pitchFamily="18" charset="0"/>
                               <a:sym typeface="Calibri"/>
@@ -14906,6 +14939,9 @@
                         <m:e>
                           <m:r>
                             <a:rPr lang="es-ES_tradnl" sz="2400" i="1">
+                              <a:solidFill>
+                                <a:srgbClr val="0965B0"/>
+                              </a:solidFill>
                               <a:latin typeface="Cambria Math" panose="02040503050406030204" pitchFamily="18" charset="0"/>
                               <a:cs typeface="Times New Roman" panose="02020603050405020304" pitchFamily="18" charset="0"/>
                               <a:sym typeface="Calibri"/>
@@ -14916,6 +14952,9 @@
                         <m:sub>
                           <m:r>
                             <a:rPr lang="es-ES_tradnl" sz="2400" i="1">
+                              <a:solidFill>
+                                <a:srgbClr val="0965B0"/>
+                              </a:solidFill>
                               <a:latin typeface="Cambria Math" panose="02040503050406030204" pitchFamily="18" charset="0"/>
                               <a:cs typeface="Times New Roman" panose="02020603050405020304" pitchFamily="18" charset="0"/>
                               <a:sym typeface="Calibri"/>
@@ -14924,6 +14963,9 @@
                           </m:r>
                           <m:r>
                             <a:rPr lang="es-ES_tradnl" sz="2400" i="1">
+                              <a:solidFill>
+                                <a:srgbClr val="0965B0"/>
+                              </a:solidFill>
                               <a:latin typeface="Cambria Math" panose="02040503050406030204" pitchFamily="18" charset="0"/>
                               <a:cs typeface="Times New Roman" panose="02020603050405020304" pitchFamily="18" charset="0"/>
                               <a:sym typeface="Calibri"/>
@@ -14934,6 +14976,9 @@
                       </m:sSub>
                       <m:r>
                         <a:rPr lang="es-ES_tradnl" sz="2400" i="1">
+                          <a:solidFill>
+                            <a:srgbClr val="0965B0"/>
+                          </a:solidFill>
                           <a:latin typeface="Cambria Math" panose="02040503050406030204" pitchFamily="18" charset="0"/>
                           <a:cs typeface="Times New Roman" panose="02020603050405020304" pitchFamily="18" charset="0"/>
                           <a:sym typeface="Calibri"/>
@@ -14944,6 +14989,9 @@
                         <m:sSubPr>
                           <m:ctrlPr>
                             <a:rPr lang="es-ES_tradnl" sz="2400" i="1">
+                              <a:solidFill>
+                                <a:srgbClr val="0965B0"/>
+                              </a:solidFill>
                               <a:latin typeface="Cambria Math" panose="02040503050406030204" pitchFamily="18" charset="0"/>
                               <a:cs typeface="Times New Roman" panose="02020603050405020304" pitchFamily="18" charset="0"/>
                               <a:sym typeface="Calibri"/>
@@ -14956,6 +15004,9 @@
                               <m:sty m:val="p"/>
                             </m:rPr>
                             <a:rPr lang="es-ES_tradnl" sz="2400">
+                              <a:solidFill>
+                                <a:srgbClr val="0965B0"/>
+                              </a:solidFill>
                               <a:latin typeface="Cambria Math" panose="02040503050406030204" pitchFamily="18" charset="0"/>
                               <a:cs typeface="Times New Roman" panose="02020603050405020304" pitchFamily="18" charset="0"/>
                               <a:sym typeface="Calibri"/>
@@ -14966,6 +15017,9 @@
                         <m:sub>
                           <m:r>
                             <a:rPr lang="es-ES_tradnl" sz="2400" i="1">
+                              <a:solidFill>
+                                <a:srgbClr val="0965B0"/>
+                              </a:solidFill>
                               <a:latin typeface="Cambria Math" panose="02040503050406030204" pitchFamily="18" charset="0"/>
                               <a:cs typeface="Times New Roman" panose="02020603050405020304" pitchFamily="18" charset="0"/>
                               <a:sym typeface="Calibri"/>
@@ -14978,6 +15032,9 @@
                         <m:sSubPr>
                           <m:ctrlPr>
                             <a:rPr lang="es-ES_tradnl" sz="2400" i="1">
+                              <a:solidFill>
+                                <a:srgbClr val="0965B0"/>
+                              </a:solidFill>
                               <a:latin typeface="Cambria Math" panose="02040503050406030204" pitchFamily="18" charset="0"/>
                               <a:cs typeface="Times New Roman" panose="02020603050405020304" pitchFamily="18" charset="0"/>
                               <a:sym typeface="Calibri"/>
@@ -14987,6 +15044,9 @@
                         <m:e>
                           <m:r>
                             <a:rPr lang="es-ES_tradnl" sz="2400" i="1">
+                              <a:solidFill>
+                                <a:srgbClr val="0965B0"/>
+                              </a:solidFill>
                               <a:latin typeface="Cambria Math" panose="02040503050406030204" pitchFamily="18" charset="0"/>
                               <a:cs typeface="Times New Roman" panose="02020603050405020304" pitchFamily="18" charset="0"/>
                               <a:sym typeface="Calibri"/>
@@ -14997,6 +15057,9 @@
                         <m:sub>
                           <m:r>
                             <a:rPr lang="es-ES_tradnl" sz="2400" i="1">
+                              <a:solidFill>
+                                <a:srgbClr val="0965B0"/>
+                              </a:solidFill>
                               <a:latin typeface="Cambria Math" panose="02040503050406030204" pitchFamily="18" charset="0"/>
                               <a:cs typeface="Times New Roman" panose="02020603050405020304" pitchFamily="18" charset="0"/>
                               <a:sym typeface="Calibri"/>
@@ -15005,6 +15068,9 @@
                           </m:r>
                           <m:r>
                             <a:rPr lang="es-ES_tradnl" sz="2400" i="1">
+                              <a:solidFill>
+                                <a:srgbClr val="0965B0"/>
+                              </a:solidFill>
                               <a:latin typeface="Cambria Math" panose="02040503050406030204" pitchFamily="18" charset="0"/>
                               <a:cs typeface="Times New Roman" panose="02020603050405020304" pitchFamily="18" charset="0"/>
                               <a:sym typeface="Calibri"/>
@@ -15013,6 +15079,9 @@
                           </m:r>
                           <m:r>
                             <a:rPr lang="es-ES_tradnl" sz="2400" i="1">
+                              <a:solidFill>
+                                <a:srgbClr val="0965B0"/>
+                              </a:solidFill>
                               <a:latin typeface="Cambria Math" panose="02040503050406030204" pitchFamily="18" charset="0"/>
                               <a:cs typeface="Times New Roman" panose="02020603050405020304" pitchFamily="18" charset="0"/>
                               <a:sym typeface="Calibri"/>
@@ -15023,6 +15092,9 @@
                       </m:sSub>
                       <m:r>
                         <a:rPr lang="es-ES_tradnl" sz="2400" i="1">
+                          <a:solidFill>
+                            <a:srgbClr val="0965B0"/>
+                          </a:solidFill>
                           <a:latin typeface="Cambria Math" panose="02040503050406030204" pitchFamily="18" charset="0"/>
                           <a:cs typeface="Times New Roman" panose="02020603050405020304" pitchFamily="18" charset="0"/>
                           <a:sym typeface="Calibri"/>
@@ -15033,6 +15105,9 @@
                         <m:sSubPr>
                           <m:ctrlPr>
                             <a:rPr lang="es-ES_tradnl" sz="2400" i="1">
+                              <a:solidFill>
+                                <a:srgbClr val="0965B0"/>
+                              </a:solidFill>
                               <a:latin typeface="Cambria Math" panose="02040503050406030204" pitchFamily="18" charset="0"/>
                               <a:cs typeface="Times New Roman" panose="02020603050405020304" pitchFamily="18" charset="0"/>
                               <a:sym typeface="Calibri"/>
@@ -15042,6 +15117,9 @@
                         <m:e>
                           <m:r>
                             <a:rPr lang="es-ES_tradnl" sz="2400" i="1">
+                              <a:solidFill>
+                                <a:srgbClr val="0965B0"/>
+                              </a:solidFill>
                               <a:latin typeface="Cambria Math" panose="02040503050406030204" pitchFamily="18" charset="0"/>
                               <a:cs typeface="Times New Roman" panose="02020603050405020304" pitchFamily="18" charset="0"/>
                               <a:sym typeface="Calibri"/>
@@ -15052,6 +15130,9 @@
                         <m:sub>
                           <m:r>
                             <a:rPr lang="es-ES_tradnl" sz="2400" i="1">
+                              <a:solidFill>
+                                <a:srgbClr val="0965B0"/>
+                              </a:solidFill>
                               <a:latin typeface="Cambria Math" panose="02040503050406030204" pitchFamily="18" charset="0"/>
                               <a:cs typeface="Times New Roman" panose="02020603050405020304" pitchFamily="18" charset="0"/>
                               <a:sym typeface="Calibri"/>
@@ -15062,6 +15143,9 @@
                       </m:sSub>
                       <m:r>
                         <a:rPr lang="es-ES_tradnl" sz="2400" i="1">
+                          <a:solidFill>
+                            <a:srgbClr val="0965B0"/>
+                          </a:solidFill>
                           <a:latin typeface="Cambria Math" panose="02040503050406030204" pitchFamily="18" charset="0"/>
                           <a:cs typeface="Times New Roman" panose="02020603050405020304" pitchFamily="18" charset="0"/>
                           <a:sym typeface="Calibri"/>
@@ -15072,6 +15156,9 @@
                   </m:oMathPara>
                 </a14:m>
                 <a:endParaRPr lang="es-ES_tradnl" sz="2400" dirty="0">
+                  <a:solidFill>
+                    <a:srgbClr val="0965B0"/>
+                  </a:solidFill>
                   <a:latin typeface="Times New Roman" panose="02020603050405020304" pitchFamily="18" charset="0"/>
                   <a:cs typeface="Times New Roman" panose="02020603050405020304" pitchFamily="18" charset="0"/>
                   <a:sym typeface="Calibri"/>
@@ -15088,6 +15175,9 @@
                   <a:buSzPts val="1800"/>
                 </a:pPr>
                 <a:endParaRPr lang="es-ES_tradnl" sz="2400" dirty="0">
+                  <a:solidFill>
+                    <a:srgbClr val="0965B0"/>
+                  </a:solidFill>
                   <a:latin typeface="Times New Roman" panose="02020603050405020304" pitchFamily="18" charset="0"/>
                   <a:cs typeface="Times New Roman" panose="02020603050405020304" pitchFamily="18" charset="0"/>
                   <a:sym typeface="Calibri"/>
@@ -15106,7 +15196,7 @@
                 <a:r>
                   <a:rPr lang="es-ES_tradnl" b="1" dirty="0">
                     <a:solidFill>
-                      <a:srgbClr val="8B8B8B"/>
+                      <a:srgbClr val="0965B0"/>
                     </a:solidFill>
                     <a:latin typeface="Lato" panose="020B0604020202020204" charset="0"/>
                     <a:sym typeface="Calibri"/>
@@ -15115,6 +15205,9 @@
                 </a:r>
                 <a:r>
                   <a:rPr lang="es-ES_tradnl" sz="2400" dirty="0">
+                    <a:solidFill>
+                      <a:srgbClr val="0965B0"/>
+                    </a:solidFill>
                     <a:latin typeface="Times New Roman" panose="02020603050405020304" pitchFamily="18" charset="0"/>
                     <a:cs typeface="Times New Roman" panose="02020603050405020304" pitchFamily="18" charset="0"/>
                     <a:sym typeface="Calibri"/>
@@ -15127,6 +15220,9 @@
                       <m:sSubPr>
                         <m:ctrlPr>
                           <a:rPr lang="es-ES_tradnl" sz="2400" i="1">
+                            <a:solidFill>
+                              <a:srgbClr val="0965B0"/>
+                            </a:solidFill>
                             <a:latin typeface="Cambria Math" panose="02040503050406030204" pitchFamily="18" charset="0"/>
                             <a:cs typeface="Times New Roman" panose="02020603050405020304" pitchFamily="18" charset="0"/>
                             <a:sym typeface="Calibri"/>
@@ -15136,6 +15232,9 @@
                       <m:e>
                         <m:r>
                           <a:rPr lang="es-ES_tradnl" sz="2400" i="1">
+                            <a:solidFill>
+                              <a:srgbClr val="0965B0"/>
+                            </a:solidFill>
                             <a:latin typeface="Cambria Math" panose="02040503050406030204" pitchFamily="18" charset="0"/>
                             <a:cs typeface="Times New Roman" panose="02020603050405020304" pitchFamily="18" charset="0"/>
                             <a:sym typeface="Calibri"/>
@@ -15146,6 +15245,9 @@
                       <m:sub>
                         <m:r>
                           <a:rPr lang="es-ES_tradnl" sz="2400" i="1">
+                            <a:solidFill>
+                              <a:srgbClr val="0965B0"/>
+                            </a:solidFill>
                             <a:latin typeface="Cambria Math" panose="02040503050406030204" pitchFamily="18" charset="0"/>
                             <a:cs typeface="Times New Roman" panose="02020603050405020304" pitchFamily="18" charset="0"/>
                             <a:sym typeface="Calibri"/>
@@ -15156,6 +15258,9 @@
                     </m:sSub>
                     <m:r>
                       <a:rPr lang="es-ES_tradnl" sz="2400" i="1">
+                        <a:solidFill>
+                          <a:srgbClr val="0965B0"/>
+                        </a:solidFill>
                         <a:latin typeface="Cambria Math" panose="02040503050406030204" pitchFamily="18" charset="0"/>
                         <a:cs typeface="Times New Roman" panose="02020603050405020304" pitchFamily="18" charset="0"/>
                         <a:sym typeface="Calibri"/>
@@ -15167,7 +15272,7 @@
                 <a:r>
                   <a:rPr lang="es-ES_tradnl" b="1" dirty="0">
                     <a:solidFill>
-                      <a:srgbClr val="8B8B8B"/>
+                      <a:srgbClr val="0965B0"/>
                     </a:solidFill>
                     <a:latin typeface="Lato" panose="020B0604020202020204" charset="0"/>
                     <a:sym typeface="Calibri"/>
@@ -15176,6 +15281,9 @@
                 </a:r>
                 <a:r>
                   <a:rPr lang="es-ES_tradnl" sz="2400" i="1" dirty="0">
+                    <a:solidFill>
+                      <a:srgbClr val="0965B0"/>
+                    </a:solidFill>
                     <a:latin typeface="Cambria Math" panose="02040503050406030204" pitchFamily="18" charset="0"/>
                     <a:cs typeface="Times New Roman" panose="02020603050405020304" pitchFamily="18" charset="0"/>
                     <a:sym typeface="Calibri"/>
@@ -15186,6 +15294,9 @@
                   <m:oMath xmlns:m="http://schemas.openxmlformats.org/officeDocument/2006/math">
                     <m:r>
                       <a:rPr lang="es-ES_tradnl" sz="2400" i="1">
+                        <a:solidFill>
+                          <a:srgbClr val="0965B0"/>
+                        </a:solidFill>
                         <a:latin typeface="Cambria Math" panose="02040503050406030204" pitchFamily="18" charset="0"/>
                         <a:cs typeface="Times New Roman" panose="02020603050405020304" pitchFamily="18" charset="0"/>
                         <a:sym typeface="Calibri"/>
@@ -15196,6 +15307,9 @@
                 </a14:m>
                 <a:r>
                   <a:rPr lang="es-ES_tradnl" sz="2400" i="1" dirty="0">
+                    <a:solidFill>
+                      <a:srgbClr val="0965B0"/>
+                    </a:solidFill>
                     <a:latin typeface="Cambria Math" panose="02040503050406030204" pitchFamily="18" charset="0"/>
                     <a:cs typeface="Times New Roman" panose="02020603050405020304" pitchFamily="18" charset="0"/>
                     <a:sym typeface="Calibri"/>
@@ -15205,7 +15319,7 @@
                 <a:r>
                   <a:rPr lang="es-ES_tradnl" b="1" dirty="0">
                     <a:solidFill>
-                      <a:srgbClr val="8B8B8B"/>
+                      <a:srgbClr val="0965B0"/>
                     </a:solidFill>
                     <a:latin typeface="Lato" panose="020B0604020202020204" charset="0"/>
                     <a:sym typeface="Calibri"/>
@@ -15225,7 +15339,7 @@
                 </a:pPr>
                 <a:endParaRPr lang="es-ES_tradnl" b="1" dirty="0">
                   <a:solidFill>
-                    <a:srgbClr val="8B8B8B"/>
+                    <a:srgbClr val="0965B0"/>
                   </a:solidFill>
                   <a:latin typeface="Lato" panose="020B0604020202020204" charset="0"/>
                   <a:sym typeface="Calibri"/>
@@ -15244,7 +15358,7 @@
                 <a:r>
                   <a:rPr lang="es-ES_tradnl" b="1" dirty="0">
                     <a:solidFill>
-                      <a:srgbClr val="8B8B8B"/>
+                      <a:srgbClr val="0965B0"/>
                     </a:solidFill>
                     <a:latin typeface="Lato" panose="020B0604020202020204" charset="0"/>
                     <a:sym typeface="Calibri"/>
@@ -15280,7 +15394,7 @@
             </p:nvSpPr>
             <p:spPr>
               <a:xfrm>
-                <a:off x="833374" y="1663998"/>
+                <a:off x="597154" y="1443702"/>
                 <a:ext cx="8073484" cy="3404073"/>
               </a:xfrm>
               <a:prstGeom prst="rect">
@@ -17597,8 +17711,8 @@
           </a:p>
         </p:txBody>
       </p:sp>
-      <mc:AlternateContent xmlns:mc="http://schemas.openxmlformats.org/markup-compatibility/2006">
-        <mc:Choice xmlns:a14="http://schemas.microsoft.com/office/drawing/2010/main" Requires="a14">
+      <mc:AlternateContent xmlns:mc="http://schemas.openxmlformats.org/markup-compatibility/2006" xmlns:a14="http://schemas.microsoft.com/office/drawing/2010/main">
+        <mc:Choice Requires="a14">
           <p:sp>
             <p:nvSpPr>
               <p:cNvPr id="6" name="Rectangle 5">
@@ -18315,7 +18429,7 @@
             </p:txBody>
           </p:sp>
         </mc:Choice>
-        <mc:Fallback>
+        <mc:Fallback xmlns="">
           <p:sp>
             <p:nvSpPr>
               <p:cNvPr id="6" name="Rectangle 5">
@@ -18851,8 +18965,8 @@
           </a:p>
         </p:txBody>
       </p:sp>
-      <mc:AlternateContent xmlns:mc="http://schemas.openxmlformats.org/markup-compatibility/2006">
-        <mc:Choice xmlns:a14="http://schemas.microsoft.com/office/drawing/2010/main" Requires="a14">
+      <mc:AlternateContent xmlns:mc="http://schemas.openxmlformats.org/markup-compatibility/2006" xmlns:a14="http://schemas.microsoft.com/office/drawing/2010/main">
+        <mc:Choice Requires="a14">
           <p:sp>
             <p:nvSpPr>
               <p:cNvPr id="6" name="Rectangle 5">
@@ -19517,7 +19631,7 @@
             </p:txBody>
           </p:sp>
         </mc:Choice>
-        <mc:Fallback>
+        <mc:Fallback xmlns="">
           <p:sp>
             <p:nvSpPr>
               <p:cNvPr id="6" name="Rectangle 5">
@@ -19739,8 +19853,8 @@
           </a:p>
         </p:txBody>
       </p:sp>
-      <mc:AlternateContent xmlns:mc="http://schemas.openxmlformats.org/markup-compatibility/2006">
-        <mc:Choice xmlns:a14="http://schemas.microsoft.com/office/drawing/2010/main" Requires="a14">
+      <mc:AlternateContent xmlns:mc="http://schemas.openxmlformats.org/markup-compatibility/2006" xmlns:a14="http://schemas.microsoft.com/office/drawing/2010/main">
+        <mc:Choice Requires="a14">
           <p:sp>
             <p:nvSpPr>
               <p:cNvPr id="6" name="Rectangle 5">
@@ -20430,7 +20544,7 @@
             </p:txBody>
           </p:sp>
         </mc:Choice>
-        <mc:Fallback>
+        <mc:Fallback xmlns="">
           <p:sp>
             <p:nvSpPr>
               <p:cNvPr id="6" name="Rectangle 5">
@@ -21803,8 +21917,8 @@
           </a:p>
         </p:txBody>
       </p:sp>
-      <mc:AlternateContent xmlns:mc="http://schemas.openxmlformats.org/markup-compatibility/2006">
-        <mc:Choice xmlns:a14="http://schemas.microsoft.com/office/drawing/2010/main" Requires="a14">
+      <mc:AlternateContent xmlns:mc="http://schemas.openxmlformats.org/markup-compatibility/2006" xmlns:a14="http://schemas.microsoft.com/office/drawing/2010/main">
+        <mc:Choice Requires="a14">
           <p:sp>
             <p:nvSpPr>
               <p:cNvPr id="6" name="Rectangle 5">
@@ -22687,7 +22801,7 @@
             </p:txBody>
           </p:sp>
         </mc:Choice>
-        <mc:Fallback>
+        <mc:Fallback xmlns="">
           <p:sp>
             <p:nvSpPr>
               <p:cNvPr id="6" name="Rectangle 5">
@@ -22909,8 +23023,8 @@
           </a:p>
         </p:txBody>
       </p:sp>
-      <mc:AlternateContent xmlns:mc="http://schemas.openxmlformats.org/markup-compatibility/2006">
-        <mc:Choice xmlns:a14="http://schemas.microsoft.com/office/drawing/2010/main" Requires="a14">
+      <mc:AlternateContent xmlns:mc="http://schemas.openxmlformats.org/markup-compatibility/2006" xmlns:a14="http://schemas.microsoft.com/office/drawing/2010/main">
+        <mc:Choice Requires="a14">
           <p:sp>
             <p:nvSpPr>
               <p:cNvPr id="6" name="Rectangle 5">
@@ -23654,7 +23768,7 @@
             </p:txBody>
           </p:sp>
         </mc:Choice>
-        <mc:Fallback>
+        <mc:Fallback xmlns="">
           <p:sp>
             <p:nvSpPr>
               <p:cNvPr id="6" name="Rectangle 5">
@@ -23876,8 +23990,8 @@
           </a:p>
         </p:txBody>
       </p:sp>
-      <mc:AlternateContent xmlns:mc="http://schemas.openxmlformats.org/markup-compatibility/2006">
-        <mc:Choice xmlns:a14="http://schemas.microsoft.com/office/drawing/2010/main" Requires="a14">
+      <mc:AlternateContent xmlns:mc="http://schemas.openxmlformats.org/markup-compatibility/2006" xmlns:a14="http://schemas.microsoft.com/office/drawing/2010/main">
+        <mc:Choice Requires="a14">
           <p:sp>
             <p:nvSpPr>
               <p:cNvPr id="6" name="Rectangle 5">
@@ -24145,7 +24259,7 @@
             </p:txBody>
           </p:sp>
         </mc:Choice>
-        <mc:Fallback>
+        <mc:Fallback xmlns="">
           <p:sp>
             <p:nvSpPr>
               <p:cNvPr id="6" name="Rectangle 5">
@@ -26873,8 +26987,8 @@
           </a:p>
         </p:txBody>
       </p:sp>
-      <mc:AlternateContent xmlns:mc="http://schemas.openxmlformats.org/markup-compatibility/2006">
-        <mc:Choice xmlns:a14="http://schemas.microsoft.com/office/drawing/2010/main" Requires="a14">
+      <mc:AlternateContent xmlns:mc="http://schemas.openxmlformats.org/markup-compatibility/2006" xmlns:a14="http://schemas.microsoft.com/office/drawing/2010/main">
+        <mc:Choice Requires="a14">
           <p:sp>
             <p:nvSpPr>
               <p:cNvPr id="6" name="Rectangle 5">
@@ -27713,7 +27827,7 @@
             </p:txBody>
           </p:sp>
         </mc:Choice>
-        <mc:Fallback>
+        <mc:Fallback xmlns="">
           <p:sp>
             <p:nvSpPr>
               <p:cNvPr id="6" name="Rectangle 5">
